--- a/docs/images/powerpoint.pptx
+++ b/docs/images/powerpoint.pptx
@@ -8,6 +8,7 @@
     <p:sldId id="256" r:id="rId2"/>
     <p:sldId id="258" r:id="rId3"/>
     <p:sldId id="257" r:id="rId4"/>
+    <p:sldId id="259" r:id="rId5"/>
   </p:sldIdLst>
   <p:sldSz cx="12192000" cy="6858000"/>
   <p:notesSz cx="6858000" cy="9144000"/>
@@ -106,6 +107,11 @@
       </a:defRPr>
     </a:lvl9pPr>
   </p:defaultTextStyle>
+  <p:extLst>
+    <p:ext uri="{EFAFB233-063F-42B5-8137-9DF3F51BA10A}">
+      <p15:sldGuideLst xmlns:p15="http://schemas.microsoft.com/office/powerpoint/2012/main"/>
+    </p:ext>
+  </p:extLst>
 </p:presentation>
 </file>
 
@@ -258,7 +264,7 @@
           <a:p>
             <a:fld id="{0F159690-1F76-6C46-AF8B-5F09F14E1543}" type="datetimeFigureOut">
               <a:rPr lang="en-US" smtClean="0"/>
-              <a:t>10/20/21</a:t>
+              <a:t>10/21/21</a:t>
             </a:fld>
             <a:endParaRPr lang="en-US"/>
           </a:p>
@@ -458,7 +464,7 @@
           <a:p>
             <a:fld id="{0F159690-1F76-6C46-AF8B-5F09F14E1543}" type="datetimeFigureOut">
               <a:rPr lang="en-US" smtClean="0"/>
-              <a:t>10/20/21</a:t>
+              <a:t>10/21/21</a:t>
             </a:fld>
             <a:endParaRPr lang="en-US"/>
           </a:p>
@@ -668,7 +674,7 @@
           <a:p>
             <a:fld id="{0F159690-1F76-6C46-AF8B-5F09F14E1543}" type="datetimeFigureOut">
               <a:rPr lang="en-US" smtClean="0"/>
-              <a:t>10/20/21</a:t>
+              <a:t>10/21/21</a:t>
             </a:fld>
             <a:endParaRPr lang="en-US"/>
           </a:p>
@@ -868,7 +874,7 @@
           <a:p>
             <a:fld id="{0F159690-1F76-6C46-AF8B-5F09F14E1543}" type="datetimeFigureOut">
               <a:rPr lang="en-US" smtClean="0"/>
-              <a:t>10/20/21</a:t>
+              <a:t>10/21/21</a:t>
             </a:fld>
             <a:endParaRPr lang="en-US"/>
           </a:p>
@@ -1144,7 +1150,7 @@
           <a:p>
             <a:fld id="{0F159690-1F76-6C46-AF8B-5F09F14E1543}" type="datetimeFigureOut">
               <a:rPr lang="en-US" smtClean="0"/>
-              <a:t>10/20/21</a:t>
+              <a:t>10/21/21</a:t>
             </a:fld>
             <a:endParaRPr lang="en-US"/>
           </a:p>
@@ -1412,7 +1418,7 @@
           <a:p>
             <a:fld id="{0F159690-1F76-6C46-AF8B-5F09F14E1543}" type="datetimeFigureOut">
               <a:rPr lang="en-US" smtClean="0"/>
-              <a:t>10/20/21</a:t>
+              <a:t>10/21/21</a:t>
             </a:fld>
             <a:endParaRPr lang="en-US"/>
           </a:p>
@@ -1827,7 +1833,7 @@
           <a:p>
             <a:fld id="{0F159690-1F76-6C46-AF8B-5F09F14E1543}" type="datetimeFigureOut">
               <a:rPr lang="en-US" smtClean="0"/>
-              <a:t>10/20/21</a:t>
+              <a:t>10/21/21</a:t>
             </a:fld>
             <a:endParaRPr lang="en-US"/>
           </a:p>
@@ -1969,7 +1975,7 @@
           <a:p>
             <a:fld id="{0F159690-1F76-6C46-AF8B-5F09F14E1543}" type="datetimeFigureOut">
               <a:rPr lang="en-US" smtClean="0"/>
-              <a:t>10/20/21</a:t>
+              <a:t>10/21/21</a:t>
             </a:fld>
             <a:endParaRPr lang="en-US"/>
           </a:p>
@@ -2082,7 +2088,7 @@
           <a:p>
             <a:fld id="{0F159690-1F76-6C46-AF8B-5F09F14E1543}" type="datetimeFigureOut">
               <a:rPr lang="en-US" smtClean="0"/>
-              <a:t>10/20/21</a:t>
+              <a:t>10/21/21</a:t>
             </a:fld>
             <a:endParaRPr lang="en-US"/>
           </a:p>
@@ -2395,7 +2401,7 @@
           <a:p>
             <a:fld id="{0F159690-1F76-6C46-AF8B-5F09F14E1543}" type="datetimeFigureOut">
               <a:rPr lang="en-US" smtClean="0"/>
-              <a:t>10/20/21</a:t>
+              <a:t>10/21/21</a:t>
             </a:fld>
             <a:endParaRPr lang="en-US"/>
           </a:p>
@@ -2684,7 +2690,7 @@
           <a:p>
             <a:fld id="{0F159690-1F76-6C46-AF8B-5F09F14E1543}" type="datetimeFigureOut">
               <a:rPr lang="en-US" smtClean="0"/>
-              <a:t>10/20/21</a:t>
+              <a:t>10/21/21</a:t>
             </a:fld>
             <a:endParaRPr lang="en-US"/>
           </a:p>
@@ -2927,7 +2933,7 @@
           <a:p>
             <a:fld id="{0F159690-1F76-6C46-AF8B-5F09F14E1543}" type="datetimeFigureOut">
               <a:rPr lang="en-US" smtClean="0"/>
-              <a:t>10/20/21</a:t>
+              <a:t>10/21/21</a:t>
             </a:fld>
             <a:endParaRPr lang="en-US"/>
           </a:p>
@@ -4873,6 +4879,545 @@
 </p:sld>
 </file>
 
+<file path=ppt/slides/slide4.xml><?xml version="1.0" encoding="utf-8"?>
+<p:sld xmlns:a="http://schemas.openxmlformats.org/drawingml/2006/main" xmlns:r="http://schemas.openxmlformats.org/officeDocument/2006/relationships" xmlns:p="http://schemas.openxmlformats.org/presentationml/2006/main">
+  <p:cSld>
+    <p:spTree>
+      <p:nvGrpSpPr>
+        <p:cNvPr id="1" name=""/>
+        <p:cNvGrpSpPr/>
+        <p:nvPr/>
+      </p:nvGrpSpPr>
+      <p:grpSpPr>
+        <a:xfrm>
+          <a:off x="0" y="0"/>
+          <a:ext cx="0" cy="0"/>
+          <a:chOff x="0" y="0"/>
+          <a:chExt cx="0" cy="0"/>
+        </a:xfrm>
+      </p:grpSpPr>
+      <p:sp>
+        <p:nvSpPr>
+          <p:cNvPr id="4" name="Oval 3">
+            <a:extLst>
+              <a:ext uri="{FF2B5EF4-FFF2-40B4-BE49-F238E27FC236}">
+                <a16:creationId xmlns:a16="http://schemas.microsoft.com/office/drawing/2014/main" id="{2545D205-D07B-B942-B9DE-235922A0DC09}"/>
+              </a:ext>
+            </a:extLst>
+          </p:cNvPr>
+          <p:cNvSpPr/>
+          <p:nvPr/>
+        </p:nvSpPr>
+        <p:spPr>
+          <a:xfrm>
+            <a:off x="1197667" y="778566"/>
+            <a:ext cx="1694621" cy="1694621"/>
+          </a:xfrm>
+          <a:prstGeom prst="ellipse">
+            <a:avLst/>
+          </a:prstGeom>
+        </p:spPr>
+        <p:style>
+          <a:lnRef idx="0">
+            <a:schemeClr val="accent1"/>
+          </a:lnRef>
+          <a:fillRef idx="3">
+            <a:schemeClr val="accent1"/>
+          </a:fillRef>
+          <a:effectRef idx="3">
+            <a:schemeClr val="accent1"/>
+          </a:effectRef>
+          <a:fontRef idx="minor">
+            <a:schemeClr val="lt1"/>
+          </a:fontRef>
+        </p:style>
+        <p:txBody>
+          <a:bodyPr rtlCol="0" anchor="ctr"/>
+          <a:lstStyle/>
+          <a:p>
+            <a:pPr algn="ctr"/>
+            <a:r>
+              <a:rPr lang="en-US" dirty="0"/>
+              <a:t>Model</a:t>
+            </a:r>
+          </a:p>
+        </p:txBody>
+      </p:sp>
+      <p:sp>
+        <p:nvSpPr>
+          <p:cNvPr id="5" name="Oval 4">
+            <a:extLst>
+              <a:ext uri="{FF2B5EF4-FFF2-40B4-BE49-F238E27FC236}">
+                <a16:creationId xmlns:a16="http://schemas.microsoft.com/office/drawing/2014/main" id="{7D34D05C-504C-5441-B384-3EE19611E489}"/>
+              </a:ext>
+            </a:extLst>
+          </p:cNvPr>
+          <p:cNvSpPr/>
+          <p:nvPr/>
+        </p:nvSpPr>
+        <p:spPr>
+          <a:xfrm>
+            <a:off x="2140227" y="2473187"/>
+            <a:ext cx="1694621" cy="1694621"/>
+          </a:xfrm>
+          <a:prstGeom prst="ellipse">
+            <a:avLst/>
+          </a:prstGeom>
+        </p:spPr>
+        <p:style>
+          <a:lnRef idx="0">
+            <a:schemeClr val="accent2"/>
+          </a:lnRef>
+          <a:fillRef idx="3">
+            <a:schemeClr val="accent2"/>
+          </a:fillRef>
+          <a:effectRef idx="3">
+            <a:schemeClr val="accent2"/>
+          </a:effectRef>
+          <a:fontRef idx="minor">
+            <a:schemeClr val="lt1"/>
+          </a:fontRef>
+        </p:style>
+        <p:txBody>
+          <a:bodyPr rtlCol="0" anchor="ctr"/>
+          <a:lstStyle/>
+          <a:p>
+            <a:pPr algn="ctr"/>
+            <a:r>
+              <a:rPr lang="en-US" dirty="0"/>
+              <a:t>View</a:t>
+            </a:r>
+          </a:p>
+        </p:txBody>
+      </p:sp>
+      <p:sp>
+        <p:nvSpPr>
+          <p:cNvPr id="6" name="Oval 5">
+            <a:extLst>
+              <a:ext uri="{FF2B5EF4-FFF2-40B4-BE49-F238E27FC236}">
+                <a16:creationId xmlns:a16="http://schemas.microsoft.com/office/drawing/2014/main" id="{14491D01-0AAF-4846-AECA-79AECD2D3F0F}"/>
+              </a:ext>
+            </a:extLst>
+          </p:cNvPr>
+          <p:cNvSpPr/>
+          <p:nvPr/>
+        </p:nvSpPr>
+        <p:spPr>
+          <a:xfrm>
+            <a:off x="255106" y="2473188"/>
+            <a:ext cx="1694621" cy="1694621"/>
+          </a:xfrm>
+          <a:prstGeom prst="ellipse">
+            <a:avLst/>
+          </a:prstGeom>
+        </p:spPr>
+        <p:style>
+          <a:lnRef idx="0">
+            <a:schemeClr val="accent4"/>
+          </a:lnRef>
+          <a:fillRef idx="3">
+            <a:schemeClr val="accent4"/>
+          </a:fillRef>
+          <a:effectRef idx="3">
+            <a:schemeClr val="accent4"/>
+          </a:effectRef>
+          <a:fontRef idx="minor">
+            <a:schemeClr val="lt1"/>
+          </a:fontRef>
+        </p:style>
+        <p:txBody>
+          <a:bodyPr rtlCol="0" anchor="ctr"/>
+          <a:lstStyle/>
+          <a:p>
+            <a:pPr algn="ctr"/>
+            <a:r>
+              <a:rPr lang="en-US" dirty="0"/>
+              <a:t>Template</a:t>
+            </a:r>
+          </a:p>
+        </p:txBody>
+      </p:sp>
+      <p:sp>
+        <p:nvSpPr>
+          <p:cNvPr id="7" name="Oval 6">
+            <a:extLst>
+              <a:ext uri="{FF2B5EF4-FFF2-40B4-BE49-F238E27FC236}">
+                <a16:creationId xmlns:a16="http://schemas.microsoft.com/office/drawing/2014/main" id="{12374E7D-F547-E047-A169-B8A9BF6B73C1}"/>
+              </a:ext>
+            </a:extLst>
+          </p:cNvPr>
+          <p:cNvSpPr/>
+          <p:nvPr/>
+        </p:nvSpPr>
+        <p:spPr>
+          <a:xfrm>
+            <a:off x="8536062" y="148259"/>
+            <a:ext cx="1694621" cy="1694621"/>
+          </a:xfrm>
+          <a:prstGeom prst="ellipse">
+            <a:avLst/>
+          </a:prstGeom>
+        </p:spPr>
+        <p:style>
+          <a:lnRef idx="0">
+            <a:schemeClr val="accent1"/>
+          </a:lnRef>
+          <a:fillRef idx="3">
+            <a:schemeClr val="accent1"/>
+          </a:fillRef>
+          <a:effectRef idx="3">
+            <a:schemeClr val="accent1"/>
+          </a:effectRef>
+          <a:fontRef idx="minor">
+            <a:schemeClr val="lt1"/>
+          </a:fontRef>
+        </p:style>
+        <p:txBody>
+          <a:bodyPr rtlCol="0" anchor="ctr"/>
+          <a:lstStyle/>
+          <a:p>
+            <a:pPr algn="ctr"/>
+            <a:r>
+              <a:rPr lang="en-US" dirty="0"/>
+              <a:t>Model</a:t>
+            </a:r>
+          </a:p>
+        </p:txBody>
+      </p:sp>
+      <p:sp>
+        <p:nvSpPr>
+          <p:cNvPr id="8" name="Oval 7">
+            <a:extLst>
+              <a:ext uri="{FF2B5EF4-FFF2-40B4-BE49-F238E27FC236}">
+                <a16:creationId xmlns:a16="http://schemas.microsoft.com/office/drawing/2014/main" id="{5CCD0BCC-C9C1-6443-96B8-EF0913521A30}"/>
+              </a:ext>
+            </a:extLst>
+          </p:cNvPr>
+          <p:cNvSpPr/>
+          <p:nvPr/>
+        </p:nvSpPr>
+        <p:spPr>
+          <a:xfrm>
+            <a:off x="6628573" y="2261153"/>
+            <a:ext cx="1694621" cy="1694621"/>
+          </a:xfrm>
+          <a:prstGeom prst="ellipse">
+            <a:avLst/>
+          </a:prstGeom>
+        </p:spPr>
+        <p:style>
+          <a:lnRef idx="0">
+            <a:schemeClr val="accent2"/>
+          </a:lnRef>
+          <a:fillRef idx="3">
+            <a:schemeClr val="accent2"/>
+          </a:fillRef>
+          <a:effectRef idx="3">
+            <a:schemeClr val="accent2"/>
+          </a:effectRef>
+          <a:fontRef idx="minor">
+            <a:schemeClr val="lt1"/>
+          </a:fontRef>
+        </p:style>
+        <p:txBody>
+          <a:bodyPr rtlCol="0" anchor="ctr"/>
+          <a:lstStyle/>
+          <a:p>
+            <a:pPr algn="ctr"/>
+            <a:r>
+              <a:rPr lang="en-US" dirty="0"/>
+              <a:t>View</a:t>
+            </a:r>
+          </a:p>
+        </p:txBody>
+      </p:sp>
+      <p:sp>
+        <p:nvSpPr>
+          <p:cNvPr id="9" name="Oval 8">
+            <a:extLst>
+              <a:ext uri="{FF2B5EF4-FFF2-40B4-BE49-F238E27FC236}">
+                <a16:creationId xmlns:a16="http://schemas.microsoft.com/office/drawing/2014/main" id="{069F8955-6D90-9346-B93E-76E3D72CC387}"/>
+              </a:ext>
+            </a:extLst>
+          </p:cNvPr>
+          <p:cNvSpPr/>
+          <p:nvPr/>
+        </p:nvSpPr>
+        <p:spPr>
+          <a:xfrm>
+            <a:off x="8536063" y="2261153"/>
+            <a:ext cx="1694621" cy="1694621"/>
+          </a:xfrm>
+          <a:prstGeom prst="ellipse">
+            <a:avLst/>
+          </a:prstGeom>
+        </p:spPr>
+        <p:style>
+          <a:lnRef idx="0">
+            <a:schemeClr val="accent4"/>
+          </a:lnRef>
+          <a:fillRef idx="3">
+            <a:schemeClr val="accent4"/>
+          </a:fillRef>
+          <a:effectRef idx="3">
+            <a:schemeClr val="accent4"/>
+          </a:effectRef>
+          <a:fontRef idx="minor">
+            <a:schemeClr val="lt1"/>
+          </a:fontRef>
+        </p:style>
+        <p:txBody>
+          <a:bodyPr rtlCol="0" anchor="ctr"/>
+          <a:lstStyle/>
+          <a:p>
+            <a:pPr algn="ctr"/>
+            <a:r>
+              <a:rPr lang="en-US" dirty="0"/>
+              <a:t>Template</a:t>
+            </a:r>
+          </a:p>
+        </p:txBody>
+      </p:sp>
+      <p:sp>
+        <p:nvSpPr>
+          <p:cNvPr id="10" name="Oval 9">
+            <a:extLst>
+              <a:ext uri="{FF2B5EF4-FFF2-40B4-BE49-F238E27FC236}">
+                <a16:creationId xmlns:a16="http://schemas.microsoft.com/office/drawing/2014/main" id="{25815844-1354-EA44-A968-3CDCE1EE1724}"/>
+              </a:ext>
+            </a:extLst>
+          </p:cNvPr>
+          <p:cNvSpPr/>
+          <p:nvPr/>
+        </p:nvSpPr>
+        <p:spPr>
+          <a:xfrm>
+            <a:off x="4866865" y="1413842"/>
+            <a:ext cx="1694621" cy="1694621"/>
+          </a:xfrm>
+          <a:prstGeom prst="ellipse">
+            <a:avLst/>
+          </a:prstGeom>
+        </p:spPr>
+        <p:style>
+          <a:lnRef idx="0">
+            <a:schemeClr val="accent3"/>
+          </a:lnRef>
+          <a:fillRef idx="3">
+            <a:schemeClr val="accent3"/>
+          </a:fillRef>
+          <a:effectRef idx="3">
+            <a:schemeClr val="accent3"/>
+          </a:effectRef>
+          <a:fontRef idx="minor">
+            <a:schemeClr val="lt1"/>
+          </a:fontRef>
+        </p:style>
+        <p:txBody>
+          <a:bodyPr rtlCol="0" anchor="ctr"/>
+          <a:lstStyle/>
+          <a:p>
+            <a:pPr algn="ctr"/>
+            <a:r>
+              <a:rPr lang="en-US" dirty="0"/>
+              <a:t>URLs</a:t>
+            </a:r>
+          </a:p>
+        </p:txBody>
+      </p:sp>
+      <p:sp>
+        <p:nvSpPr>
+          <p:cNvPr id="11" name="Oval 10">
+            <a:extLst>
+              <a:ext uri="{FF2B5EF4-FFF2-40B4-BE49-F238E27FC236}">
+                <a16:creationId xmlns:a16="http://schemas.microsoft.com/office/drawing/2014/main" id="{6A31178E-20FD-9F40-BECB-06D85A6FE02D}"/>
+              </a:ext>
+            </a:extLst>
+          </p:cNvPr>
+          <p:cNvSpPr/>
+          <p:nvPr/>
+        </p:nvSpPr>
+        <p:spPr>
+          <a:xfrm>
+            <a:off x="8536063" y="4167809"/>
+            <a:ext cx="1694621" cy="1694621"/>
+          </a:xfrm>
+          <a:prstGeom prst="ellipse">
+            <a:avLst/>
+          </a:prstGeom>
+        </p:spPr>
+        <p:style>
+          <a:lnRef idx="0">
+            <a:schemeClr val="dk1"/>
+          </a:lnRef>
+          <a:fillRef idx="3">
+            <a:schemeClr val="dk1"/>
+          </a:fillRef>
+          <a:effectRef idx="3">
+            <a:schemeClr val="dk1"/>
+          </a:effectRef>
+          <a:fontRef idx="minor">
+            <a:schemeClr val="lt1"/>
+          </a:fontRef>
+        </p:style>
+        <p:txBody>
+          <a:bodyPr rtlCol="0" anchor="ctr"/>
+          <a:lstStyle/>
+          <a:p>
+            <a:pPr algn="ctr"/>
+            <a:r>
+              <a:rPr lang="en-US" dirty="0"/>
+              <a:t>Template Tags</a:t>
+            </a:r>
+          </a:p>
+        </p:txBody>
+      </p:sp>
+      <p:sp>
+        <p:nvSpPr>
+          <p:cNvPr id="12" name="Oval 11">
+            <a:extLst>
+              <a:ext uri="{FF2B5EF4-FFF2-40B4-BE49-F238E27FC236}">
+                <a16:creationId xmlns:a16="http://schemas.microsoft.com/office/drawing/2014/main" id="{BBB73887-1745-4142-9EE6-F3FA166A0904}"/>
+              </a:ext>
+            </a:extLst>
+          </p:cNvPr>
+          <p:cNvSpPr/>
+          <p:nvPr/>
+        </p:nvSpPr>
+        <p:spPr>
+          <a:xfrm>
+            <a:off x="6628572" y="148259"/>
+            <a:ext cx="1694621" cy="1694621"/>
+          </a:xfrm>
+          <a:prstGeom prst="ellipse">
+            <a:avLst/>
+          </a:prstGeom>
+        </p:spPr>
+        <p:style>
+          <a:lnRef idx="0">
+            <a:schemeClr val="accent5"/>
+          </a:lnRef>
+          <a:fillRef idx="3">
+            <a:schemeClr val="accent5"/>
+          </a:fillRef>
+          <a:effectRef idx="3">
+            <a:schemeClr val="accent5"/>
+          </a:effectRef>
+          <a:fontRef idx="minor">
+            <a:schemeClr val="lt1"/>
+          </a:fontRef>
+        </p:style>
+        <p:txBody>
+          <a:bodyPr rtlCol="0" anchor="ctr"/>
+          <a:lstStyle/>
+          <a:p>
+            <a:pPr algn="ctr"/>
+            <a:r>
+              <a:rPr lang="en-US" dirty="0"/>
+              <a:t>Forms</a:t>
+            </a:r>
+          </a:p>
+        </p:txBody>
+      </p:sp>
+      <p:cxnSp>
+        <p:nvCxnSpPr>
+          <p:cNvPr id="14" name="Straight Connector 13">
+            <a:extLst>
+              <a:ext uri="{FF2B5EF4-FFF2-40B4-BE49-F238E27FC236}">
+                <a16:creationId xmlns:a16="http://schemas.microsoft.com/office/drawing/2014/main" id="{57F9266B-4200-BB4A-8383-582A6A361B2D}"/>
+              </a:ext>
+            </a:extLst>
+          </p:cNvPr>
+          <p:cNvCxnSpPr>
+            <a:cxnSpLocks/>
+          </p:cNvCxnSpPr>
+          <p:nvPr/>
+        </p:nvCxnSpPr>
+        <p:spPr>
+          <a:xfrm>
+            <a:off x="255106" y="995569"/>
+            <a:ext cx="3419257" cy="3423203"/>
+          </a:xfrm>
+          <a:prstGeom prst="line">
+            <a:avLst/>
+          </a:prstGeom>
+          <a:ln w="158750">
+            <a:solidFill>
+              <a:schemeClr val="tx1"/>
+            </a:solidFill>
+          </a:ln>
+        </p:spPr>
+        <p:style>
+          <a:lnRef idx="1">
+            <a:schemeClr val="accent1"/>
+          </a:lnRef>
+          <a:fillRef idx="0">
+            <a:schemeClr val="accent1"/>
+          </a:fillRef>
+          <a:effectRef idx="0">
+            <a:schemeClr val="accent1"/>
+          </a:effectRef>
+          <a:fontRef idx="minor">
+            <a:schemeClr val="tx1"/>
+          </a:fontRef>
+        </p:style>
+      </p:cxnSp>
+      <p:cxnSp>
+        <p:nvCxnSpPr>
+          <p:cNvPr id="16" name="Straight Connector 15">
+            <a:extLst>
+              <a:ext uri="{FF2B5EF4-FFF2-40B4-BE49-F238E27FC236}">
+                <a16:creationId xmlns:a16="http://schemas.microsoft.com/office/drawing/2014/main" id="{7D9008C7-594E-1648-8DCF-B4EE5ED321EE}"/>
+              </a:ext>
+            </a:extLst>
+          </p:cNvPr>
+          <p:cNvCxnSpPr>
+            <a:cxnSpLocks/>
+          </p:cNvCxnSpPr>
+          <p:nvPr/>
+        </p:nvCxnSpPr>
+        <p:spPr>
+          <a:xfrm flipH="1">
+            <a:off x="691978" y="995569"/>
+            <a:ext cx="2669060" cy="3588788"/>
+          </a:xfrm>
+          <a:prstGeom prst="line">
+            <a:avLst/>
+          </a:prstGeom>
+          <a:ln w="158750">
+            <a:solidFill>
+              <a:schemeClr val="tx1"/>
+            </a:solidFill>
+          </a:ln>
+        </p:spPr>
+        <p:style>
+          <a:lnRef idx="1">
+            <a:schemeClr val="accent1"/>
+          </a:lnRef>
+          <a:fillRef idx="0">
+            <a:schemeClr val="accent1"/>
+          </a:fillRef>
+          <a:effectRef idx="0">
+            <a:schemeClr val="accent1"/>
+          </a:effectRef>
+          <a:fontRef idx="minor">
+            <a:schemeClr val="tx1"/>
+          </a:fontRef>
+        </p:style>
+      </p:cxnSp>
+    </p:spTree>
+    <p:extLst>
+      <p:ext uri="{BB962C8B-B14F-4D97-AF65-F5344CB8AC3E}">
+        <p14:creationId xmlns:p14="http://schemas.microsoft.com/office/powerpoint/2010/main" val="1897337657"/>
+      </p:ext>
+    </p:extLst>
+  </p:cSld>
+  <p:clrMapOvr>
+    <a:masterClrMapping/>
+  </p:clrMapOvr>
+</p:sld>
+</file>
+
 <file path=ppt/theme/theme1.xml><?xml version="1.0" encoding="utf-8"?>
 <a:theme xmlns:a="http://schemas.openxmlformats.org/drawingml/2006/main" name="Office Theme">
   <a:themeElements>
